--- a/documentation.pptx
+++ b/documentation.pptx
@@ -221,7 +221,7 @@
           <a:p>
             <a:fld id="{3ED44DE9-3730-498B-8273-ACBD50DF1B85}" type="datetimeFigureOut">
               <a:rPr lang="en-IL" smtClean="0"/>
-              <a:t>05/12/2021</a:t>
+              <a:t>06/10/2022</a:t>
             </a:fld>
             <a:endParaRPr lang="en-IL"/>
           </a:p>
@@ -399,7 +399,7 @@
           <a:p>
             <a:fld id="{F50FD083-E17E-4A70-A0EE-AD56E261DFF4}" type="datetimeFigureOut">
               <a:rPr lang="en-IL" smtClean="0"/>
-              <a:t>05/12/2021</a:t>
+              <a:t>06/10/2022</a:t>
             </a:fld>
             <a:endParaRPr lang="en-IL"/>
           </a:p>
@@ -1146,7 +1146,7 @@
           <a:p>
             <a:fld id="{11AB96E4-A23E-424C-9D11-82A5E6E973F0}" type="datetime8">
               <a:rPr lang="en-IL" smtClean="0"/>
-              <a:t>05/12/2021 9:22</a:t>
+              <a:t>06/10/2022 14:52</a:t>
             </a:fld>
             <a:endParaRPr lang="en-IL"/>
           </a:p>
@@ -1316,7 +1316,7 @@
           <a:p>
             <a:fld id="{4753117B-CBF7-4F9D-ACE4-8DDD700A3C18}" type="datetime8">
               <a:rPr lang="en-IL" smtClean="0"/>
-              <a:t>05/12/2021 9:22</a:t>
+              <a:t>06/10/2022 14:52</a:t>
             </a:fld>
             <a:endParaRPr lang="en-IL"/>
           </a:p>
@@ -1496,7 +1496,7 @@
           <a:p>
             <a:fld id="{3B28DFA9-DD48-4AB1-9540-64A8B19D7E26}" type="datetime8">
               <a:rPr lang="en-IL" smtClean="0"/>
-              <a:t>05/12/2021 9:22</a:t>
+              <a:t>06/10/2022 14:52</a:t>
             </a:fld>
             <a:endParaRPr lang="en-IL"/>
           </a:p>
@@ -1607,7 +1607,7 @@
           <a:noFill/>
           <a:extLst>
             <a:ext uri="{909E8E84-426E-40dd-AFC4-6F175D3DCCD1}">
-              <a14:hiddenFill xmlns:a14="http://schemas.microsoft.com/office/drawing/2010/main" xmlns="">
+              <a14:hiddenFill xmlns="" xmlns:a14="http://schemas.microsoft.com/office/drawing/2010/main">
                 <a:solidFill>
                   <a:srgbClr val="FFFFFF"/>
                 </a:solidFill>
@@ -1667,7 +1667,7 @@
             </a:ln>
             <a:extLst>
               <a:ext uri="{91240B29-F687-4f45-9708-019B960494DF}">
-                <a14:hiddenLine xmlns:a14="http://schemas.microsoft.com/office/drawing/2010/main" xmlns="" w="9525">
+                <a14:hiddenLine xmlns="" xmlns:a14="http://schemas.microsoft.com/office/drawing/2010/main" w="9525">
                   <a:solidFill>
                     <a:srgbClr val="000000"/>
                   </a:solidFill>
@@ -1757,7 +1757,7 @@
             </a:ln>
             <a:extLst>
               <a:ext uri="{91240B29-F687-4f45-9708-019B960494DF}">
-                <a14:hiddenLine xmlns:a14="http://schemas.microsoft.com/office/drawing/2010/main" xmlns="" w="9525">
+                <a14:hiddenLine xmlns="" xmlns:a14="http://schemas.microsoft.com/office/drawing/2010/main" w="9525">
                   <a:solidFill>
                     <a:srgbClr val="000000"/>
                   </a:solidFill>
@@ -1847,7 +1847,7 @@
             </a:ln>
             <a:extLst>
               <a:ext uri="{91240B29-F687-4f45-9708-019B960494DF}">
-                <a14:hiddenLine xmlns:a14="http://schemas.microsoft.com/office/drawing/2010/main" xmlns="" w="9525">
+                <a14:hiddenLine xmlns="" xmlns:a14="http://schemas.microsoft.com/office/drawing/2010/main" w="9525">
                   <a:solidFill>
                     <a:srgbClr val="000000"/>
                   </a:solidFill>
@@ -1881,7 +1881,7 @@
             </a:ln>
             <a:extLst>
               <a:ext uri="{91240B29-F687-4f45-9708-019B960494DF}">
-                <a14:hiddenLine xmlns:a14="http://schemas.microsoft.com/office/drawing/2010/main" xmlns="" w="9525">
+                <a14:hiddenLine xmlns="" xmlns:a14="http://schemas.microsoft.com/office/drawing/2010/main" w="9525">
                   <a:solidFill>
                     <a:srgbClr val="000000"/>
                   </a:solidFill>
@@ -1971,7 +1971,7 @@
             </a:ln>
             <a:extLst>
               <a:ext uri="{91240B29-F687-4f45-9708-019B960494DF}">
-                <a14:hiddenLine xmlns:a14="http://schemas.microsoft.com/office/drawing/2010/main" xmlns="" w="9525">
+                <a14:hiddenLine xmlns="" xmlns:a14="http://schemas.microsoft.com/office/drawing/2010/main" w="9525">
                   <a:solidFill>
                     <a:srgbClr val="000000"/>
                   </a:solidFill>
@@ -2033,7 +2033,7 @@
             </a:ln>
             <a:extLst>
               <a:ext uri="{91240B29-F687-4f45-9708-019B960494DF}">
-                <a14:hiddenLine xmlns:a14="http://schemas.microsoft.com/office/drawing/2010/main" xmlns="" w="9525">
+                <a14:hiddenLine xmlns="" xmlns:a14="http://schemas.microsoft.com/office/drawing/2010/main" w="9525">
                   <a:solidFill>
                     <a:srgbClr val="000000"/>
                   </a:solidFill>
@@ -2095,7 +2095,7 @@
             </a:ln>
             <a:extLst>
               <a:ext uri="{91240B29-F687-4f45-9708-019B960494DF}">
-                <a14:hiddenLine xmlns:a14="http://schemas.microsoft.com/office/drawing/2010/main" xmlns="" w="9525">
+                <a14:hiddenLine xmlns="" xmlns:a14="http://schemas.microsoft.com/office/drawing/2010/main" w="9525">
                   <a:solidFill>
                     <a:srgbClr val="000000"/>
                   </a:solidFill>
@@ -2185,7 +2185,7 @@
             </a:ln>
             <a:extLst>
               <a:ext uri="{91240B29-F687-4f45-9708-019B960494DF}">
-                <a14:hiddenLine xmlns:a14="http://schemas.microsoft.com/office/drawing/2010/main" xmlns="" w="9525">
+                <a14:hiddenLine xmlns="" xmlns:a14="http://schemas.microsoft.com/office/drawing/2010/main" w="9525">
                   <a:solidFill>
                     <a:srgbClr val="000000"/>
                   </a:solidFill>
@@ -2247,7 +2247,7 @@
             </a:ln>
             <a:extLst>
               <a:ext uri="{91240B29-F687-4f45-9708-019B960494DF}">
-                <a14:hiddenLine xmlns:a14="http://schemas.microsoft.com/office/drawing/2010/main" xmlns="" w="9525">
+                <a14:hiddenLine xmlns="" xmlns:a14="http://schemas.microsoft.com/office/drawing/2010/main" w="9525">
                   <a:solidFill>
                     <a:srgbClr val="000000"/>
                   </a:solidFill>
@@ -2309,7 +2309,7 @@
             </a:ln>
             <a:extLst>
               <a:ext uri="{91240B29-F687-4f45-9708-019B960494DF}">
-                <a14:hiddenLine xmlns:a14="http://schemas.microsoft.com/office/drawing/2010/main" xmlns="" w="9525">
+                <a14:hiddenLine xmlns="" xmlns:a14="http://schemas.microsoft.com/office/drawing/2010/main" w="9525">
                   <a:solidFill>
                     <a:srgbClr val="000000"/>
                   </a:solidFill>
@@ -2399,7 +2399,7 @@
             </a:ln>
             <a:extLst>
               <a:ext uri="{91240B29-F687-4f45-9708-019B960494DF}">
-                <a14:hiddenLine xmlns:a14="http://schemas.microsoft.com/office/drawing/2010/main" xmlns="" w="9525">
+                <a14:hiddenLine xmlns="" xmlns:a14="http://schemas.microsoft.com/office/drawing/2010/main" w="9525">
                   <a:solidFill>
                     <a:srgbClr val="000000"/>
                   </a:solidFill>
@@ -2489,7 +2489,7 @@
             </a:ln>
             <a:extLst>
               <a:ext uri="{91240B29-F687-4f45-9708-019B960494DF}">
-                <a14:hiddenLine xmlns:a14="http://schemas.microsoft.com/office/drawing/2010/main" xmlns="" w="9525">
+                <a14:hiddenLine xmlns="" xmlns:a14="http://schemas.microsoft.com/office/drawing/2010/main" w="9525">
                   <a:solidFill>
                     <a:srgbClr val="000000"/>
                   </a:solidFill>
@@ -2551,7 +2551,7 @@
             </a:ln>
             <a:extLst>
               <a:ext uri="{91240B29-F687-4f45-9708-019B960494DF}">
-                <a14:hiddenLine xmlns:a14="http://schemas.microsoft.com/office/drawing/2010/main" xmlns="" w="9525">
+                <a14:hiddenLine xmlns="" xmlns:a14="http://schemas.microsoft.com/office/drawing/2010/main" w="9525">
                   <a:solidFill>
                     <a:srgbClr val="000000"/>
                   </a:solidFill>
@@ -2661,7 +2661,7 @@
             </a:ln>
             <a:extLst>
               <a:ext uri="{91240B29-F687-4f45-9708-019B960494DF}">
-                <a14:hiddenLine xmlns:a14="http://schemas.microsoft.com/office/drawing/2010/main" xmlns="" w="9525">
+                <a14:hiddenLine xmlns="" xmlns:a14="http://schemas.microsoft.com/office/drawing/2010/main" w="9525">
                   <a:solidFill>
                     <a:srgbClr val="000000"/>
                   </a:solidFill>
@@ -2723,7 +2723,7 @@
             </a:ln>
             <a:extLst>
               <a:ext uri="{91240B29-F687-4f45-9708-019B960494DF}">
-                <a14:hiddenLine xmlns:a14="http://schemas.microsoft.com/office/drawing/2010/main" xmlns="" w="9525">
+                <a14:hiddenLine xmlns="" xmlns:a14="http://schemas.microsoft.com/office/drawing/2010/main" w="9525">
                   <a:solidFill>
                     <a:srgbClr val="000000"/>
                   </a:solidFill>
@@ -2813,7 +2813,7 @@
             </a:ln>
             <a:extLst>
               <a:ext uri="{91240B29-F687-4f45-9708-019B960494DF}">
-                <a14:hiddenLine xmlns:a14="http://schemas.microsoft.com/office/drawing/2010/main" xmlns="" w="9525">
+                <a14:hiddenLine xmlns="" xmlns:a14="http://schemas.microsoft.com/office/drawing/2010/main" w="9525">
                   <a:solidFill>
                     <a:srgbClr val="000000"/>
                   </a:solidFill>
@@ -2903,7 +2903,7 @@
             </a:ln>
             <a:extLst>
               <a:ext uri="{91240B29-F687-4f45-9708-019B960494DF}">
-                <a14:hiddenLine xmlns:a14="http://schemas.microsoft.com/office/drawing/2010/main" xmlns="" w="9525">
+                <a14:hiddenLine xmlns="" xmlns:a14="http://schemas.microsoft.com/office/drawing/2010/main" w="9525">
                   <a:solidFill>
                     <a:srgbClr val="000000"/>
                   </a:solidFill>
@@ -2965,7 +2965,7 @@
             </a:ln>
             <a:extLst>
               <a:ext uri="{91240B29-F687-4f45-9708-019B960494DF}">
-                <a14:hiddenLine xmlns:a14="http://schemas.microsoft.com/office/drawing/2010/main" xmlns="" w="9525">
+                <a14:hiddenLine xmlns="" xmlns:a14="http://schemas.microsoft.com/office/drawing/2010/main" w="9525">
                   <a:solidFill>
                     <a:srgbClr val="000000"/>
                   </a:solidFill>
@@ -3055,7 +3055,7 @@
             </a:ln>
             <a:extLst>
               <a:ext uri="{91240B29-F687-4f45-9708-019B960494DF}">
-                <a14:hiddenLine xmlns:a14="http://schemas.microsoft.com/office/drawing/2010/main" xmlns="" w="9525">
+                <a14:hiddenLine xmlns="" xmlns:a14="http://schemas.microsoft.com/office/drawing/2010/main" w="9525">
                   <a:solidFill>
                     <a:srgbClr val="000000"/>
                   </a:solidFill>
@@ -3145,7 +3145,7 @@
             </a:ln>
             <a:extLst>
               <a:ext uri="{91240B29-F687-4f45-9708-019B960494DF}">
-                <a14:hiddenLine xmlns:a14="http://schemas.microsoft.com/office/drawing/2010/main" xmlns="" w="9525">
+                <a14:hiddenLine xmlns="" xmlns:a14="http://schemas.microsoft.com/office/drawing/2010/main" w="9525">
                   <a:solidFill>
                     <a:srgbClr val="000000"/>
                   </a:solidFill>
@@ -3201,7 +3201,7 @@
             </a:ln>
             <a:extLst>
               <a:ext uri="{91240B29-F687-4f45-9708-019B960494DF}">
-                <a14:hiddenLine xmlns:a14="http://schemas.microsoft.com/office/drawing/2010/main" xmlns="" w="9525">
+                <a14:hiddenLine xmlns="" xmlns:a14="http://schemas.microsoft.com/office/drawing/2010/main" w="9525">
                   <a:solidFill>
                     <a:srgbClr val="000000"/>
                   </a:solidFill>
@@ -3291,7 +3291,7 @@
             </a:ln>
             <a:extLst>
               <a:ext uri="{91240B29-F687-4f45-9708-019B960494DF}">
-                <a14:hiddenLine xmlns:a14="http://schemas.microsoft.com/office/drawing/2010/main" xmlns="" w="9525">
+                <a14:hiddenLine xmlns="" xmlns:a14="http://schemas.microsoft.com/office/drawing/2010/main" w="9525">
                   <a:solidFill>
                     <a:srgbClr val="000000"/>
                   </a:solidFill>
@@ -3347,7 +3347,7 @@
             </a:ln>
             <a:extLst>
               <a:ext uri="{91240B29-F687-4f45-9708-019B960494DF}">
-                <a14:hiddenLine xmlns:a14="http://schemas.microsoft.com/office/drawing/2010/main" xmlns="" w="9525">
+                <a14:hiddenLine xmlns="" xmlns:a14="http://schemas.microsoft.com/office/drawing/2010/main" w="9525">
                   <a:solidFill>
                     <a:srgbClr val="000000"/>
                   </a:solidFill>
@@ -3437,7 +3437,7 @@
             </a:ln>
             <a:extLst>
               <a:ext uri="{91240B29-F687-4f45-9708-019B960494DF}">
-                <a14:hiddenLine xmlns:a14="http://schemas.microsoft.com/office/drawing/2010/main" xmlns="" w="9525">
+                <a14:hiddenLine xmlns="" xmlns:a14="http://schemas.microsoft.com/office/drawing/2010/main" w="9525">
                   <a:solidFill>
                     <a:srgbClr val="000000"/>
                   </a:solidFill>
@@ -3505,7 +3505,7 @@
             </a:ln>
             <a:extLst>
               <a:ext uri="{91240B29-F687-4f45-9708-019B960494DF}">
-                <a14:hiddenLine xmlns:a14="http://schemas.microsoft.com/office/drawing/2010/main" xmlns="" w="9525">
+                <a14:hiddenLine xmlns="" xmlns:a14="http://schemas.microsoft.com/office/drawing/2010/main" w="9525">
                   <a:solidFill>
                     <a:srgbClr val="000000"/>
                   </a:solidFill>
@@ -3595,7 +3595,7 @@
             </a:ln>
             <a:extLst>
               <a:ext uri="{91240B29-F687-4f45-9708-019B960494DF}">
-                <a14:hiddenLine xmlns:a14="http://schemas.microsoft.com/office/drawing/2010/main" xmlns="" w="9525">
+                <a14:hiddenLine xmlns="" xmlns:a14="http://schemas.microsoft.com/office/drawing/2010/main" w="9525">
                   <a:solidFill>
                     <a:srgbClr val="000000"/>
                   </a:solidFill>
@@ -3663,7 +3663,7 @@
             </a:ln>
             <a:extLst>
               <a:ext uri="{91240B29-F687-4f45-9708-019B960494DF}">
-                <a14:hiddenLine xmlns:a14="http://schemas.microsoft.com/office/drawing/2010/main" xmlns="" w="9525">
+                <a14:hiddenLine xmlns="" xmlns:a14="http://schemas.microsoft.com/office/drawing/2010/main" w="9525">
                   <a:solidFill>
                     <a:srgbClr val="000000"/>
                   </a:solidFill>
@@ -3753,7 +3753,7 @@
             </a:ln>
             <a:extLst>
               <a:ext uri="{91240B29-F687-4f45-9708-019B960494DF}">
-                <a14:hiddenLine xmlns:a14="http://schemas.microsoft.com/office/drawing/2010/main" xmlns="" w="9525">
+                <a14:hiddenLine xmlns="" xmlns:a14="http://schemas.microsoft.com/office/drawing/2010/main" w="9525">
                   <a:solidFill>
                     <a:srgbClr val="000000"/>
                   </a:solidFill>
@@ -3787,7 +3787,7 @@
             </a:ln>
             <a:extLst>
               <a:ext uri="{91240B29-F687-4f45-9708-019B960494DF}">
-                <a14:hiddenLine xmlns:a14="http://schemas.microsoft.com/office/drawing/2010/main" xmlns="" w="9525">
+                <a14:hiddenLine xmlns="" xmlns:a14="http://schemas.microsoft.com/office/drawing/2010/main" w="9525">
                   <a:solidFill>
                     <a:srgbClr val="000000"/>
                   </a:solidFill>
@@ -3877,7 +3877,7 @@
             </a:ln>
             <a:extLst>
               <a:ext uri="{91240B29-F687-4f45-9708-019B960494DF}">
-                <a14:hiddenLine xmlns:a14="http://schemas.microsoft.com/office/drawing/2010/main" xmlns="" w="9525">
+                <a14:hiddenLine xmlns="" xmlns:a14="http://schemas.microsoft.com/office/drawing/2010/main" w="9525">
                   <a:solidFill>
                     <a:srgbClr val="000000"/>
                   </a:solidFill>
@@ -3939,7 +3939,7 @@
             </a:ln>
             <a:extLst>
               <a:ext uri="{91240B29-F687-4f45-9708-019B960494DF}">
-                <a14:hiddenLine xmlns:a14="http://schemas.microsoft.com/office/drawing/2010/main" xmlns="" w="9525">
+                <a14:hiddenLine xmlns="" xmlns:a14="http://schemas.microsoft.com/office/drawing/2010/main" w="9525">
                   <a:solidFill>
                     <a:srgbClr val="000000"/>
                   </a:solidFill>
@@ -4001,7 +4001,7 @@
             </a:ln>
             <a:extLst>
               <a:ext uri="{91240B29-F687-4f45-9708-019B960494DF}">
-                <a14:hiddenLine xmlns:a14="http://schemas.microsoft.com/office/drawing/2010/main" xmlns="" w="9525">
+                <a14:hiddenLine xmlns="" xmlns:a14="http://schemas.microsoft.com/office/drawing/2010/main" w="9525">
                   <a:solidFill>
                     <a:srgbClr val="000000"/>
                   </a:solidFill>
@@ -4091,7 +4091,7 @@
             </a:ln>
             <a:extLst>
               <a:ext uri="{91240B29-F687-4f45-9708-019B960494DF}">
-                <a14:hiddenLine xmlns:a14="http://schemas.microsoft.com/office/drawing/2010/main" xmlns="" w="9525">
+                <a14:hiddenLine xmlns="" xmlns:a14="http://schemas.microsoft.com/office/drawing/2010/main" w="9525">
                   <a:solidFill>
                     <a:srgbClr val="000000"/>
                   </a:solidFill>
@@ -4159,7 +4159,7 @@
             </a:ln>
             <a:extLst>
               <a:ext uri="{91240B29-F687-4f45-9708-019B960494DF}">
-                <a14:hiddenLine xmlns:a14="http://schemas.microsoft.com/office/drawing/2010/main" xmlns="" w="9525">
+                <a14:hiddenLine xmlns="" xmlns:a14="http://schemas.microsoft.com/office/drawing/2010/main" w="9525">
                   <a:solidFill>
                     <a:srgbClr val="000000"/>
                   </a:solidFill>
@@ -4221,7 +4221,7 @@
             </a:ln>
             <a:extLst>
               <a:ext uri="{91240B29-F687-4f45-9708-019B960494DF}">
-                <a14:hiddenLine xmlns:a14="http://schemas.microsoft.com/office/drawing/2010/main" xmlns="" w="9525">
+                <a14:hiddenLine xmlns="" xmlns:a14="http://schemas.microsoft.com/office/drawing/2010/main" w="9525">
                   <a:solidFill>
                     <a:srgbClr val="000000"/>
                   </a:solidFill>
@@ -4311,7 +4311,7 @@
             </a:ln>
             <a:extLst>
               <a:ext uri="{91240B29-F687-4f45-9708-019B960494DF}">
-                <a14:hiddenLine xmlns:a14="http://schemas.microsoft.com/office/drawing/2010/main" xmlns="" w="9525">
+                <a14:hiddenLine xmlns="" xmlns:a14="http://schemas.microsoft.com/office/drawing/2010/main" w="9525">
                   <a:solidFill>
                     <a:srgbClr val="000000"/>
                   </a:solidFill>
@@ -4373,7 +4373,7 @@
             </a:ln>
             <a:extLst>
               <a:ext uri="{91240B29-F687-4f45-9708-019B960494DF}">
-                <a14:hiddenLine xmlns:a14="http://schemas.microsoft.com/office/drawing/2010/main" xmlns="" w="9525">
+                <a14:hiddenLine xmlns="" xmlns:a14="http://schemas.microsoft.com/office/drawing/2010/main" w="9525">
                   <a:solidFill>
                     <a:srgbClr val="000000"/>
                   </a:solidFill>
@@ -4463,7 +4463,7 @@
             </a:ln>
             <a:extLst>
               <a:ext uri="{91240B29-F687-4f45-9708-019B960494DF}">
-                <a14:hiddenLine xmlns:a14="http://schemas.microsoft.com/office/drawing/2010/main" xmlns="" w="9525">
+                <a14:hiddenLine xmlns="" xmlns:a14="http://schemas.microsoft.com/office/drawing/2010/main" w="9525">
                   <a:solidFill>
                     <a:srgbClr val="000000"/>
                   </a:solidFill>
@@ -4525,7 +4525,7 @@
             </a:ln>
             <a:extLst>
               <a:ext uri="{91240B29-F687-4f45-9708-019B960494DF}">
-                <a14:hiddenLine xmlns:a14="http://schemas.microsoft.com/office/drawing/2010/main" xmlns="" w="9525">
+                <a14:hiddenLine xmlns="" xmlns:a14="http://schemas.microsoft.com/office/drawing/2010/main" w="9525">
                   <a:solidFill>
                     <a:srgbClr val="000000"/>
                   </a:solidFill>
@@ -4615,7 +4615,7 @@
             </a:ln>
             <a:extLst>
               <a:ext uri="{91240B29-F687-4f45-9708-019B960494DF}">
-                <a14:hiddenLine xmlns:a14="http://schemas.microsoft.com/office/drawing/2010/main" xmlns="" w="9525">
+                <a14:hiddenLine xmlns="" xmlns:a14="http://schemas.microsoft.com/office/drawing/2010/main" w="9525">
                   <a:solidFill>
                     <a:srgbClr val="000000"/>
                   </a:solidFill>
@@ -4649,7 +4649,7 @@
             </a:ln>
             <a:extLst>
               <a:ext uri="{91240B29-F687-4f45-9708-019B960494DF}">
-                <a14:hiddenLine xmlns:a14="http://schemas.microsoft.com/office/drawing/2010/main" xmlns="" w="9525">
+                <a14:hiddenLine xmlns="" xmlns:a14="http://schemas.microsoft.com/office/drawing/2010/main" w="9525">
                   <a:solidFill>
                     <a:srgbClr val="000000"/>
                   </a:solidFill>
@@ -4714,7 +4714,7 @@
             </a:ln>
             <a:extLst>
               <a:ext uri="{91240B29-F687-4f45-9708-019B960494DF}">
-                <a14:hiddenLine xmlns:a14="http://schemas.microsoft.com/office/drawing/2010/main" xmlns="" w="9525">
+                <a14:hiddenLine xmlns="" xmlns:a14="http://schemas.microsoft.com/office/drawing/2010/main" w="9525">
                   <a:solidFill>
                     <a:srgbClr val="000000"/>
                   </a:solidFill>
@@ -4804,7 +4804,7 @@
             </a:ln>
             <a:extLst>
               <a:ext uri="{91240B29-F687-4f45-9708-019B960494DF}">
-                <a14:hiddenLine xmlns:a14="http://schemas.microsoft.com/office/drawing/2010/main" xmlns="" w="9525">
+                <a14:hiddenLine xmlns="" xmlns:a14="http://schemas.microsoft.com/office/drawing/2010/main" w="9525">
                   <a:solidFill>
                     <a:srgbClr val="000000"/>
                   </a:solidFill>
@@ -4866,7 +4866,7 @@
             </a:ln>
             <a:extLst>
               <a:ext uri="{91240B29-F687-4f45-9708-019B960494DF}">
-                <a14:hiddenLine xmlns:a14="http://schemas.microsoft.com/office/drawing/2010/main" xmlns="" w="9525">
+                <a14:hiddenLine xmlns="" xmlns:a14="http://schemas.microsoft.com/office/drawing/2010/main" w="9525">
                   <a:solidFill>
                     <a:srgbClr val="000000"/>
                   </a:solidFill>
@@ -4956,7 +4956,7 @@
             </a:ln>
             <a:extLst>
               <a:ext uri="{91240B29-F687-4f45-9708-019B960494DF}">
-                <a14:hiddenLine xmlns:a14="http://schemas.microsoft.com/office/drawing/2010/main" xmlns="" w="9525">
+                <a14:hiddenLine xmlns="" xmlns:a14="http://schemas.microsoft.com/office/drawing/2010/main" w="9525">
                   <a:solidFill>
                     <a:srgbClr val="000000"/>
                   </a:solidFill>
@@ -5046,7 +5046,7 @@
             </a:ln>
             <a:extLst>
               <a:ext uri="{91240B29-F687-4f45-9708-019B960494DF}">
-                <a14:hiddenLine xmlns:a14="http://schemas.microsoft.com/office/drawing/2010/main" xmlns="" w="9525">
+                <a14:hiddenLine xmlns="" xmlns:a14="http://schemas.microsoft.com/office/drawing/2010/main" w="9525">
                   <a:solidFill>
                     <a:srgbClr val="000000"/>
                   </a:solidFill>
@@ -5111,7 +5111,7 @@
             </a:ln>
             <a:extLst>
               <a:ext uri="{91240B29-F687-4f45-9708-019B960494DF}">
-                <a14:hiddenLine xmlns:a14="http://schemas.microsoft.com/office/drawing/2010/main" xmlns="" w="9525">
+                <a14:hiddenLine xmlns="" xmlns:a14="http://schemas.microsoft.com/office/drawing/2010/main" w="9525">
                   <a:solidFill>
                     <a:srgbClr val="000000"/>
                   </a:solidFill>
@@ -5173,7 +5173,7 @@
             </a:ln>
             <a:extLst>
               <a:ext uri="{91240B29-F687-4f45-9708-019B960494DF}">
-                <a14:hiddenLine xmlns:a14="http://schemas.microsoft.com/office/drawing/2010/main" xmlns="" w="9525">
+                <a14:hiddenLine xmlns="" xmlns:a14="http://schemas.microsoft.com/office/drawing/2010/main" w="9525">
                   <a:solidFill>
                     <a:srgbClr val="000000"/>
                   </a:solidFill>
@@ -5263,7 +5263,7 @@
             </a:ln>
             <a:extLst>
               <a:ext uri="{91240B29-F687-4f45-9708-019B960494DF}">
-                <a14:hiddenLine xmlns:a14="http://schemas.microsoft.com/office/drawing/2010/main" xmlns="" w="9525">
+                <a14:hiddenLine xmlns="" xmlns:a14="http://schemas.microsoft.com/office/drawing/2010/main" w="9525">
                   <a:solidFill>
                     <a:srgbClr val="000000"/>
                   </a:solidFill>
@@ -5353,7 +5353,7 @@
             </a:ln>
             <a:extLst>
               <a:ext uri="{91240B29-F687-4f45-9708-019B960494DF}">
-                <a14:hiddenLine xmlns:a14="http://schemas.microsoft.com/office/drawing/2010/main" xmlns="" w="9525">
+                <a14:hiddenLine xmlns="" xmlns:a14="http://schemas.microsoft.com/office/drawing/2010/main" w="9525">
                   <a:solidFill>
                     <a:srgbClr val="000000"/>
                   </a:solidFill>
@@ -5415,7 +5415,7 @@
             </a:ln>
             <a:extLst>
               <a:ext uri="{91240B29-F687-4f45-9708-019B960494DF}">
-                <a14:hiddenLine xmlns:a14="http://schemas.microsoft.com/office/drawing/2010/main" xmlns="" w="9525">
+                <a14:hiddenLine xmlns="" xmlns:a14="http://schemas.microsoft.com/office/drawing/2010/main" w="9525">
                   <a:solidFill>
                     <a:srgbClr val="000000"/>
                   </a:solidFill>
@@ -5535,7 +5535,7 @@
             </a:ln>
             <a:extLst>
               <a:ext uri="{91240B29-F687-4f45-9708-019B960494DF}">
-                <a14:hiddenLine xmlns:a14="http://schemas.microsoft.com/office/drawing/2010/main" xmlns="" w="9525">
+                <a14:hiddenLine xmlns="" xmlns:a14="http://schemas.microsoft.com/office/drawing/2010/main" w="9525">
                   <a:solidFill>
                     <a:srgbClr val="000000"/>
                   </a:solidFill>
@@ -5603,7 +5603,7 @@
             </a:ln>
             <a:extLst>
               <a:ext uri="{91240B29-F687-4f45-9708-019B960494DF}">
-                <a14:hiddenLine xmlns:a14="http://schemas.microsoft.com/office/drawing/2010/main" xmlns="" w="9525">
+                <a14:hiddenLine xmlns="" xmlns:a14="http://schemas.microsoft.com/office/drawing/2010/main" w="9525">
                   <a:solidFill>
                     <a:srgbClr val="000000"/>
                   </a:solidFill>
@@ -5693,7 +5693,7 @@
             </a:ln>
             <a:extLst>
               <a:ext uri="{91240B29-F687-4f45-9708-019B960494DF}">
-                <a14:hiddenLine xmlns:a14="http://schemas.microsoft.com/office/drawing/2010/main" xmlns="" w="9525">
+                <a14:hiddenLine xmlns="" xmlns:a14="http://schemas.microsoft.com/office/drawing/2010/main" w="9525">
                   <a:solidFill>
                     <a:srgbClr val="000000"/>
                   </a:solidFill>
@@ -5833,7 +5833,7 @@
           <a:p>
             <a:fld id="{11AB96E4-A23E-424C-9D11-82A5E6E973F0}" type="datetime8">
               <a:rPr lang="en-IL" smtClean="0"/>
-              <a:t>05/12/2021 9:22</a:t>
+              <a:t>06/10/2022 14:52</a:t>
             </a:fld>
             <a:endParaRPr lang="en-IL"/>
           </a:p>
@@ -6013,7 +6013,7 @@
           <a:p>
             <a:fld id="{A74F9192-8217-4744-B2FC-426C708F4FD9}" type="datetime8">
               <a:rPr lang="en-IL" smtClean="0"/>
-              <a:t>05/12/2021 9:22</a:t>
+              <a:t>06/10/2022 14:52</a:t>
             </a:fld>
             <a:endParaRPr lang="en-IL"/>
           </a:p>
@@ -6263,7 +6263,7 @@
           <a:p>
             <a:fld id="{2DED2303-277F-4678-84B0-2F6991448592}" type="datetime8">
               <a:rPr lang="en-IL" smtClean="0"/>
-              <a:t>05/12/2021 9:22</a:t>
+              <a:t>06/10/2022 14:52</a:t>
             </a:fld>
             <a:endParaRPr lang="en-IL"/>
           </a:p>
@@ -6495,7 +6495,7 @@
           <a:p>
             <a:fld id="{A3ADEE44-FA7F-44C1-93AC-AC05AE7F1BF1}" type="datetime8">
               <a:rPr lang="en-IL" smtClean="0"/>
-              <a:t>05/12/2021 9:22</a:t>
+              <a:t>06/10/2022 14:52</a:t>
             </a:fld>
             <a:endParaRPr lang="en-IL"/>
           </a:p>
@@ -6876,7 +6876,7 @@
           <a:p>
             <a:fld id="{9DF7BEF2-B5D9-4292-9AF9-BA9A0C84DB37}" type="datetime8">
               <a:rPr lang="en-IL" smtClean="0"/>
-              <a:t>05/12/2021 9:22</a:t>
+              <a:t>06/10/2022 14:52</a:t>
             </a:fld>
             <a:endParaRPr lang="en-IL"/>
           </a:p>
@@ -6994,7 +6994,7 @@
           <a:p>
             <a:fld id="{39514182-623D-4E58-8D37-338409C7A4FF}" type="datetime8">
               <a:rPr lang="en-IL" smtClean="0"/>
-              <a:t>05/12/2021 9:22</a:t>
+              <a:t>06/10/2022 14:52</a:t>
             </a:fld>
             <a:endParaRPr lang="en-IL"/>
           </a:p>
@@ -7089,7 +7089,7 @@
           <a:p>
             <a:fld id="{589286A3-3656-49E6-B9D8-F8DBFC5AC9FC}" type="datetime8">
               <a:rPr lang="en-IL" smtClean="0"/>
-              <a:t>05/12/2021 9:22</a:t>
+              <a:t>06/10/2022 14:52</a:t>
             </a:fld>
             <a:endParaRPr lang="en-IL"/>
           </a:p>
@@ -7338,7 +7338,7 @@
           <a:p>
             <a:fld id="{0864549E-9644-495A-B19B-6CC7A51E86C8}" type="datetime8">
               <a:rPr lang="en-IL" smtClean="0"/>
-              <a:t>05/12/2021 9:22</a:t>
+              <a:t>06/10/2022 14:52</a:t>
             </a:fld>
             <a:endParaRPr lang="en-IL"/>
           </a:p>
@@ -7508,7 +7508,7 @@
           <a:p>
             <a:fld id="{A74F9192-8217-4744-B2FC-426C708F4FD9}" type="datetime8">
               <a:rPr lang="en-IL" smtClean="0"/>
-              <a:t>05/12/2021 9:22</a:t>
+              <a:t>06/10/2022 14:52</a:t>
             </a:fld>
             <a:endParaRPr lang="en-IL"/>
           </a:p>
@@ -7788,7 +7788,7 @@
           <a:p>
             <a:fld id="{5EF2AF4C-7BEC-4955-A58E-801472DEABD2}" type="datetime8">
               <a:rPr lang="en-IL" smtClean="0"/>
-              <a:t>05/12/2021 9:22</a:t>
+              <a:t>06/10/2022 14:52</a:t>
             </a:fld>
             <a:endParaRPr lang="en-IL"/>
           </a:p>
@@ -8045,7 +8045,7 @@
           <a:p>
             <a:fld id="{7C0D05BB-860D-4901-9A26-15F14ED56F5B}" type="datetime8">
               <a:rPr lang="en-IL" smtClean="0"/>
-              <a:t>05/12/2021 9:22</a:t>
+              <a:t>06/10/2022 14:52</a:t>
             </a:fld>
             <a:endParaRPr lang="en-IL"/>
           </a:p>
@@ -8242,7 +8242,7 @@
           <a:p>
             <a:fld id="{7C0D05BB-860D-4901-9A26-15F14ED56F5B}" type="datetime8">
               <a:rPr lang="en-IL" smtClean="0"/>
-              <a:t>05/12/2021 9:22</a:t>
+              <a:t>06/10/2022 14:52</a:t>
             </a:fld>
             <a:endParaRPr lang="en-IL"/>
           </a:p>
@@ -8506,7 +8506,7 @@
           <a:p>
             <a:fld id="{7C0D05BB-860D-4901-9A26-15F14ED56F5B}" type="datetime8">
               <a:rPr lang="en-IL" smtClean="0"/>
-              <a:t>05/12/2021 9:22</a:t>
+              <a:t>06/10/2022 14:52</a:t>
             </a:fld>
             <a:endParaRPr lang="en-IL"/>
           </a:p>
@@ -8941,7 +8941,7 @@
           <a:p>
             <a:fld id="{7C0D05BB-860D-4901-9A26-15F14ED56F5B}" type="datetime8">
               <a:rPr lang="en-IL" smtClean="0"/>
-              <a:t>05/12/2021 9:22</a:t>
+              <a:t>06/10/2022 14:52</a:t>
             </a:fld>
             <a:endParaRPr lang="en-IL"/>
           </a:p>
@@ -9488,7 +9488,7 @@
           <a:p>
             <a:fld id="{7C0D05BB-860D-4901-9A26-15F14ED56F5B}" type="datetime8">
               <a:rPr lang="en-IL" smtClean="0"/>
-              <a:t>05/12/2021 9:22</a:t>
+              <a:t>06/10/2022 14:52</a:t>
             </a:fld>
             <a:endParaRPr lang="en-IL"/>
           </a:p>
@@ -10209,7 +10209,7 @@
           <a:p>
             <a:fld id="{7C0D05BB-860D-4901-9A26-15F14ED56F5B}" type="datetime8">
               <a:rPr lang="en-IL" smtClean="0"/>
-              <a:t>05/12/2021 9:22</a:t>
+              <a:t>06/10/2022 14:52</a:t>
             </a:fld>
             <a:endParaRPr lang="en-IL"/>
           </a:p>
@@ -10380,7 +10380,7 @@
           <a:p>
             <a:fld id="{4753117B-CBF7-4F9D-ACE4-8DDD700A3C18}" type="datetime8">
               <a:rPr lang="en-IL" smtClean="0"/>
-              <a:t>05/12/2021 9:22</a:t>
+              <a:t>06/10/2022 14:52</a:t>
             </a:fld>
             <a:endParaRPr lang="en-IL"/>
           </a:p>
@@ -10560,7 +10560,7 @@
           <a:p>
             <a:fld id="{3B28DFA9-DD48-4AB1-9540-64A8B19D7E26}" type="datetime8">
               <a:rPr lang="en-IL" smtClean="0"/>
-              <a:t>05/12/2021 9:22</a:t>
+              <a:t>06/10/2022 14:52</a:t>
             </a:fld>
             <a:endParaRPr lang="en-IL"/>
           </a:p>
@@ -10811,7 +10811,7 @@
           <a:p>
             <a:fld id="{2DED2303-277F-4678-84B0-2F6991448592}" type="datetime8">
               <a:rPr lang="en-IL" smtClean="0"/>
-              <a:t>05/12/2021 9:22</a:t>
+              <a:t>06/10/2022 14:52</a:t>
             </a:fld>
             <a:endParaRPr lang="en-IL"/>
           </a:p>
@@ -11043,7 +11043,7 @@
           <a:p>
             <a:fld id="{A3ADEE44-FA7F-44C1-93AC-AC05AE7F1BF1}" type="datetime8">
               <a:rPr lang="en-IL" smtClean="0"/>
-              <a:t>05/12/2021 9:22</a:t>
+              <a:t>06/10/2022 14:52</a:t>
             </a:fld>
             <a:endParaRPr lang="en-IL"/>
           </a:p>
@@ -11390,7 +11390,7 @@
           <a:p>
             <a:fld id="{9DF7BEF2-B5D9-4292-9AF9-BA9A0C84DB37}" type="datetime8">
               <a:rPr lang="en-IL" smtClean="0"/>
-              <a:t>05/12/2021 9:22</a:t>
+              <a:t>06/10/2022 14:52</a:t>
             </a:fld>
             <a:endParaRPr lang="en-IL"/>
           </a:p>
@@ -11508,7 +11508,7 @@
           <a:p>
             <a:fld id="{39514182-623D-4E58-8D37-338409C7A4FF}" type="datetime8">
               <a:rPr lang="en-IL" smtClean="0"/>
-              <a:t>05/12/2021 9:22</a:t>
+              <a:t>06/10/2022 14:52</a:t>
             </a:fld>
             <a:endParaRPr lang="en-IL"/>
           </a:p>
@@ -11626,7 +11626,7 @@
           <a:p>
             <a:fld id="{589286A3-3656-49E6-B9D8-F8DBFC5AC9FC}" type="datetime8">
               <a:rPr lang="en-IL" smtClean="0"/>
-              <a:t>05/12/2021 9:22</a:t>
+              <a:t>06/10/2022 14:52</a:t>
             </a:fld>
             <a:endParaRPr lang="en-IL"/>
           </a:p>
@@ -11910,7 +11910,7 @@
           <a:p>
             <a:fld id="{0864549E-9644-495A-B19B-6CC7A51E86C8}" type="datetime8">
               <a:rPr lang="en-IL" smtClean="0"/>
-              <a:t>05/12/2021 9:22</a:t>
+              <a:t>06/10/2022 14:52</a:t>
             </a:fld>
             <a:endParaRPr lang="en-IL"/>
           </a:p>
@@ -12174,7 +12174,7 @@
           <a:p>
             <a:fld id="{5EF2AF4C-7BEC-4955-A58E-801472DEABD2}" type="datetime8">
               <a:rPr lang="en-IL" smtClean="0"/>
-              <a:t>05/12/2021 9:22</a:t>
+              <a:t>06/10/2022 14:52</a:t>
             </a:fld>
             <a:endParaRPr lang="en-IL"/>
           </a:p>
@@ -12388,7 +12388,7 @@
           <a:p>
             <a:fld id="{7C0D05BB-860D-4901-9A26-15F14ED56F5B}" type="datetime8">
               <a:rPr lang="en-IL" smtClean="0"/>
-              <a:t>05/12/2021 9:22</a:t>
+              <a:t>06/10/2022 14:52</a:t>
             </a:fld>
             <a:endParaRPr lang="en-IL"/>
           </a:p>
@@ -12821,7 +12821,7 @@
           <a:noFill/>
           <a:extLst>
             <a:ext uri="{909E8E84-426E-40dd-AFC4-6F175D3DCCD1}">
-              <a14:hiddenFill xmlns:a14="http://schemas.microsoft.com/office/drawing/2010/main" xmlns="">
+              <a14:hiddenFill xmlns="" xmlns:a14="http://schemas.microsoft.com/office/drawing/2010/main">
                 <a:solidFill>
                   <a:srgbClr val="FFFFFF"/>
                 </a:solidFill>
@@ -12895,7 +12895,7 @@
               </a:ln>
               <a:extLst>
                 <a:ext uri="{91240B29-F687-4f45-9708-019B960494DF}">
-                  <a14:hiddenLine xmlns:a14="http://schemas.microsoft.com/office/drawing/2010/main" xmlns="" w="9525">
+                  <a14:hiddenLine xmlns="" xmlns:a14="http://schemas.microsoft.com/office/drawing/2010/main" w="9525">
                     <a:solidFill>
                       <a:srgbClr val="000000"/>
                     </a:solidFill>
@@ -12985,7 +12985,7 @@
               </a:ln>
               <a:extLst>
                 <a:ext uri="{91240B29-F687-4f45-9708-019B960494DF}">
-                  <a14:hiddenLine xmlns:a14="http://schemas.microsoft.com/office/drawing/2010/main" xmlns="" w="9525">
+                  <a14:hiddenLine xmlns="" xmlns:a14="http://schemas.microsoft.com/office/drawing/2010/main" w="9525">
                     <a:solidFill>
                       <a:srgbClr val="000000"/>
                     </a:solidFill>
@@ -13075,7 +13075,7 @@
               </a:ln>
               <a:extLst>
                 <a:ext uri="{91240B29-F687-4f45-9708-019B960494DF}">
-                  <a14:hiddenLine xmlns:a14="http://schemas.microsoft.com/office/drawing/2010/main" xmlns="" w="9525">
+                  <a14:hiddenLine xmlns="" xmlns:a14="http://schemas.microsoft.com/office/drawing/2010/main" w="9525">
                     <a:solidFill>
                       <a:srgbClr val="000000"/>
                     </a:solidFill>
@@ -13137,7 +13137,7 @@
               </a:ln>
               <a:extLst>
                 <a:ext uri="{91240B29-F687-4f45-9708-019B960494DF}">
-                  <a14:hiddenLine xmlns:a14="http://schemas.microsoft.com/office/drawing/2010/main" xmlns="" w="9525">
+                  <a14:hiddenLine xmlns="" xmlns:a14="http://schemas.microsoft.com/office/drawing/2010/main" w="9525">
                     <a:solidFill>
                       <a:srgbClr val="000000"/>
                     </a:solidFill>
@@ -13227,7 +13227,7 @@
               </a:ln>
               <a:extLst>
                 <a:ext uri="{91240B29-F687-4f45-9708-019B960494DF}">
-                  <a14:hiddenLine xmlns:a14="http://schemas.microsoft.com/office/drawing/2010/main" xmlns="" w="9525">
+                  <a14:hiddenLine xmlns="" xmlns:a14="http://schemas.microsoft.com/office/drawing/2010/main" w="9525">
                     <a:solidFill>
                       <a:srgbClr val="000000"/>
                     </a:solidFill>
@@ -13289,7 +13289,7 @@
               </a:ln>
               <a:extLst>
                 <a:ext uri="{91240B29-F687-4f45-9708-019B960494DF}">
-                  <a14:hiddenLine xmlns:a14="http://schemas.microsoft.com/office/drawing/2010/main" xmlns="" w="9525">
+                  <a14:hiddenLine xmlns="" xmlns:a14="http://schemas.microsoft.com/office/drawing/2010/main" w="9525">
                     <a:solidFill>
                       <a:srgbClr val="000000"/>
                     </a:solidFill>
@@ -13351,7 +13351,7 @@
               </a:ln>
               <a:extLst>
                 <a:ext uri="{91240B29-F687-4f45-9708-019B960494DF}">
-                  <a14:hiddenLine xmlns:a14="http://schemas.microsoft.com/office/drawing/2010/main" xmlns="" w="9525">
+                  <a14:hiddenLine xmlns="" xmlns:a14="http://schemas.microsoft.com/office/drawing/2010/main" w="9525">
                     <a:solidFill>
                       <a:srgbClr val="000000"/>
                     </a:solidFill>
@@ -13441,7 +13441,7 @@
               </a:ln>
               <a:extLst>
                 <a:ext uri="{91240B29-F687-4f45-9708-019B960494DF}">
-                  <a14:hiddenLine xmlns:a14="http://schemas.microsoft.com/office/drawing/2010/main" xmlns="" w="9525">
+                  <a14:hiddenLine xmlns="" xmlns:a14="http://schemas.microsoft.com/office/drawing/2010/main" w="9525">
                     <a:solidFill>
                       <a:srgbClr val="000000"/>
                     </a:solidFill>
@@ -13531,7 +13531,7 @@
               </a:ln>
               <a:extLst>
                 <a:ext uri="{91240B29-F687-4f45-9708-019B960494DF}">
-                  <a14:hiddenLine xmlns:a14="http://schemas.microsoft.com/office/drawing/2010/main" xmlns="" w="9525">
+                  <a14:hiddenLine xmlns="" xmlns:a14="http://schemas.microsoft.com/office/drawing/2010/main" w="9525">
                     <a:solidFill>
                       <a:srgbClr val="000000"/>
                     </a:solidFill>
@@ -13593,7 +13593,7 @@
               </a:ln>
               <a:extLst>
                 <a:ext uri="{91240B29-F687-4f45-9708-019B960494DF}">
-                  <a14:hiddenLine xmlns:a14="http://schemas.microsoft.com/office/drawing/2010/main" xmlns="" w="9525">
+                  <a14:hiddenLine xmlns="" xmlns:a14="http://schemas.microsoft.com/office/drawing/2010/main" w="9525">
                     <a:solidFill>
                       <a:srgbClr val="000000"/>
                     </a:solidFill>
@@ -13703,7 +13703,7 @@
               </a:ln>
               <a:extLst>
                 <a:ext uri="{91240B29-F687-4f45-9708-019B960494DF}">
-                  <a14:hiddenLine xmlns:a14="http://schemas.microsoft.com/office/drawing/2010/main" xmlns="" w="9525">
+                  <a14:hiddenLine xmlns="" xmlns:a14="http://schemas.microsoft.com/office/drawing/2010/main" w="9525">
                     <a:solidFill>
                       <a:srgbClr val="000000"/>
                     </a:solidFill>
@@ -13787,7 +13787,7 @@
               </a:ln>
               <a:extLst>
                 <a:ext uri="{91240B29-F687-4f45-9708-019B960494DF}">
-                  <a14:hiddenLine xmlns:a14="http://schemas.microsoft.com/office/drawing/2010/main" xmlns="" w="9525">
+                  <a14:hiddenLine xmlns="" xmlns:a14="http://schemas.microsoft.com/office/drawing/2010/main" w="9525">
                     <a:solidFill>
                       <a:srgbClr val="000000"/>
                     </a:solidFill>
@@ -13849,7 +13849,7 @@
               </a:ln>
               <a:extLst>
                 <a:ext uri="{91240B29-F687-4f45-9708-019B960494DF}">
-                  <a14:hiddenLine xmlns:a14="http://schemas.microsoft.com/office/drawing/2010/main" xmlns="" w="9525">
+                  <a14:hiddenLine xmlns="" xmlns:a14="http://schemas.microsoft.com/office/drawing/2010/main" w="9525">
                     <a:solidFill>
                       <a:srgbClr val="000000"/>
                     </a:solidFill>
@@ -13911,7 +13911,7 @@
               </a:ln>
               <a:extLst>
                 <a:ext uri="{91240B29-F687-4f45-9708-019B960494DF}">
-                  <a14:hiddenLine xmlns:a14="http://schemas.microsoft.com/office/drawing/2010/main" xmlns="" w="9525">
+                  <a14:hiddenLine xmlns="" xmlns:a14="http://schemas.microsoft.com/office/drawing/2010/main" w="9525">
                     <a:solidFill>
                       <a:srgbClr val="000000"/>
                     </a:solidFill>
@@ -14001,7 +14001,7 @@
               </a:ln>
               <a:extLst>
                 <a:ext uri="{91240B29-F687-4f45-9708-019B960494DF}">
-                  <a14:hiddenLine xmlns:a14="http://schemas.microsoft.com/office/drawing/2010/main" xmlns="" w="9525">
+                  <a14:hiddenLine xmlns="" xmlns:a14="http://schemas.microsoft.com/office/drawing/2010/main" w="9525">
                     <a:solidFill>
                       <a:srgbClr val="000000"/>
                     </a:solidFill>
@@ -14035,7 +14035,7 @@
               </a:ln>
               <a:extLst>
                 <a:ext uri="{91240B29-F687-4f45-9708-019B960494DF}">
-                  <a14:hiddenLine xmlns:a14="http://schemas.microsoft.com/office/drawing/2010/main" xmlns="" w="9525">
+                  <a14:hiddenLine xmlns="" xmlns:a14="http://schemas.microsoft.com/office/drawing/2010/main" w="9525">
                     <a:solidFill>
                       <a:srgbClr val="000000"/>
                     </a:solidFill>
@@ -14100,7 +14100,7 @@
               </a:ln>
               <a:extLst>
                 <a:ext uri="{91240B29-F687-4f45-9708-019B960494DF}">
-                  <a14:hiddenLine xmlns:a14="http://schemas.microsoft.com/office/drawing/2010/main" xmlns="" w="9525">
+                  <a14:hiddenLine xmlns="" xmlns:a14="http://schemas.microsoft.com/office/drawing/2010/main" w="9525">
                     <a:solidFill>
                       <a:srgbClr val="000000"/>
                     </a:solidFill>
@@ -14190,7 +14190,7 @@
               </a:ln>
               <a:extLst>
                 <a:ext uri="{91240B29-F687-4f45-9708-019B960494DF}">
-                  <a14:hiddenLine xmlns:a14="http://schemas.microsoft.com/office/drawing/2010/main" xmlns="" w="9525">
+                  <a14:hiddenLine xmlns="" xmlns:a14="http://schemas.microsoft.com/office/drawing/2010/main" w="9525">
                     <a:solidFill>
                       <a:srgbClr val="000000"/>
                     </a:solidFill>
@@ -14252,7 +14252,7 @@
               </a:ln>
               <a:extLst>
                 <a:ext uri="{91240B29-F687-4f45-9708-019B960494DF}">
-                  <a14:hiddenLine xmlns:a14="http://schemas.microsoft.com/office/drawing/2010/main" xmlns="" w="9525">
+                  <a14:hiddenLine xmlns="" xmlns:a14="http://schemas.microsoft.com/office/drawing/2010/main" w="9525">
                     <a:solidFill>
                       <a:srgbClr val="000000"/>
                     </a:solidFill>
@@ -14342,7 +14342,7 @@
               </a:ln>
               <a:extLst>
                 <a:ext uri="{91240B29-F687-4f45-9708-019B960494DF}">
-                  <a14:hiddenLine xmlns:a14="http://schemas.microsoft.com/office/drawing/2010/main" xmlns="" w="9525">
+                  <a14:hiddenLine xmlns="" xmlns:a14="http://schemas.microsoft.com/office/drawing/2010/main" w="9525">
                     <a:solidFill>
                       <a:srgbClr val="000000"/>
                     </a:solidFill>
@@ -14407,7 +14407,7 @@
               </a:ln>
               <a:extLst>
                 <a:ext uri="{91240B29-F687-4f45-9708-019B960494DF}">
-                  <a14:hiddenLine xmlns:a14="http://schemas.microsoft.com/office/drawing/2010/main" xmlns="" w="9525">
+                  <a14:hiddenLine xmlns="" xmlns:a14="http://schemas.microsoft.com/office/drawing/2010/main" w="9525">
                     <a:solidFill>
                       <a:srgbClr val="000000"/>
                     </a:solidFill>
@@ -14469,7 +14469,7 @@
               </a:ln>
               <a:extLst>
                 <a:ext uri="{91240B29-F687-4f45-9708-019B960494DF}">
-                  <a14:hiddenLine xmlns:a14="http://schemas.microsoft.com/office/drawing/2010/main" xmlns="" w="9525">
+                  <a14:hiddenLine xmlns="" xmlns:a14="http://schemas.microsoft.com/office/drawing/2010/main" w="9525">
                     <a:solidFill>
                       <a:srgbClr val="000000"/>
                     </a:solidFill>
@@ -14559,7 +14559,7 @@
               </a:ln>
               <a:extLst>
                 <a:ext uri="{91240B29-F687-4f45-9708-019B960494DF}">
-                  <a14:hiddenLine xmlns:a14="http://schemas.microsoft.com/office/drawing/2010/main" xmlns="" w="9525">
+                  <a14:hiddenLine xmlns="" xmlns:a14="http://schemas.microsoft.com/office/drawing/2010/main" w="9525">
                     <a:solidFill>
                       <a:srgbClr val="000000"/>
                     </a:solidFill>
@@ -14649,7 +14649,7 @@
               </a:ln>
               <a:extLst>
                 <a:ext uri="{91240B29-F687-4f45-9708-019B960494DF}">
-                  <a14:hiddenLine xmlns:a14="http://schemas.microsoft.com/office/drawing/2010/main" xmlns="" w="9525">
+                  <a14:hiddenLine xmlns="" xmlns:a14="http://schemas.microsoft.com/office/drawing/2010/main" w="9525">
                     <a:solidFill>
                       <a:srgbClr val="000000"/>
                     </a:solidFill>
@@ -14714,7 +14714,7 @@
               </a:ln>
               <a:extLst>
                 <a:ext uri="{91240B29-F687-4f45-9708-019B960494DF}">
-                  <a14:hiddenLine xmlns:a14="http://schemas.microsoft.com/office/drawing/2010/main" xmlns="" w="9525">
+                  <a14:hiddenLine xmlns="" xmlns:a14="http://schemas.microsoft.com/office/drawing/2010/main" w="9525">
                     <a:solidFill>
                       <a:srgbClr val="000000"/>
                     </a:solidFill>
@@ -14834,7 +14834,7 @@
               </a:ln>
               <a:extLst>
                 <a:ext uri="{91240B29-F687-4f45-9708-019B960494DF}">
-                  <a14:hiddenLine xmlns:a14="http://schemas.microsoft.com/office/drawing/2010/main" xmlns="" w="9525">
+                  <a14:hiddenLine xmlns="" xmlns:a14="http://schemas.microsoft.com/office/drawing/2010/main" w="9525">
                     <a:solidFill>
                       <a:srgbClr val="000000"/>
                     </a:solidFill>
@@ -14932,7 +14932,7 @@
               </a:ln>
               <a:extLst>
                 <a:ext uri="{91240B29-F687-4f45-9708-019B960494DF}">
-                  <a14:hiddenLine xmlns:a14="http://schemas.microsoft.com/office/drawing/2010/main" xmlns="" w="9525">
+                  <a14:hiddenLine xmlns="" xmlns:a14="http://schemas.microsoft.com/office/drawing/2010/main" w="9525">
                     <a:solidFill>
                       <a:srgbClr val="000000"/>
                     </a:solidFill>
@@ -15047,7 +15047,7 @@
               </a:ln>
               <a:extLst>
                 <a:ext uri="{91240B29-F687-4f45-9708-019B960494DF}">
-                  <a14:hiddenLine xmlns:a14="http://schemas.microsoft.com/office/drawing/2010/main" xmlns="" w="9525">
+                  <a14:hiddenLine xmlns="" xmlns:a14="http://schemas.microsoft.com/office/drawing/2010/main" w="9525">
                     <a:solidFill>
                       <a:srgbClr val="000000"/>
                     </a:solidFill>
@@ -15137,7 +15137,7 @@
               </a:ln>
               <a:extLst>
                 <a:ext uri="{91240B29-F687-4f45-9708-019B960494DF}">
-                  <a14:hiddenLine xmlns:a14="http://schemas.microsoft.com/office/drawing/2010/main" xmlns="" w="9525">
+                  <a14:hiddenLine xmlns="" xmlns:a14="http://schemas.microsoft.com/office/drawing/2010/main" w="9525">
                     <a:solidFill>
                       <a:srgbClr val="000000"/>
                     </a:solidFill>
@@ -15202,7 +15202,7 @@
               </a:ln>
               <a:extLst>
                 <a:ext uri="{91240B29-F687-4f45-9708-019B960494DF}">
-                  <a14:hiddenLine xmlns:a14="http://schemas.microsoft.com/office/drawing/2010/main" xmlns="" w="9525">
+                  <a14:hiddenLine xmlns="" xmlns:a14="http://schemas.microsoft.com/office/drawing/2010/main" w="9525">
                     <a:solidFill>
                       <a:srgbClr val="000000"/>
                     </a:solidFill>
@@ -15292,7 +15292,7 @@
               </a:ln>
               <a:extLst>
                 <a:ext uri="{91240B29-F687-4f45-9708-019B960494DF}">
-                  <a14:hiddenLine xmlns:a14="http://schemas.microsoft.com/office/drawing/2010/main" xmlns="" w="9525">
+                  <a14:hiddenLine xmlns="" xmlns:a14="http://schemas.microsoft.com/office/drawing/2010/main" w="9525">
                     <a:solidFill>
                       <a:srgbClr val="000000"/>
                     </a:solidFill>
@@ -15360,7 +15360,7 @@
               </a:ln>
               <a:extLst>
                 <a:ext uri="{91240B29-F687-4f45-9708-019B960494DF}">
-                  <a14:hiddenLine xmlns:a14="http://schemas.microsoft.com/office/drawing/2010/main" xmlns="" w="9525">
+                  <a14:hiddenLine xmlns="" xmlns:a14="http://schemas.microsoft.com/office/drawing/2010/main" w="9525">
                     <a:solidFill>
                       <a:srgbClr val="000000"/>
                     </a:solidFill>
@@ -15450,7 +15450,7 @@
               </a:ln>
               <a:extLst>
                 <a:ext uri="{91240B29-F687-4f45-9708-019B960494DF}">
-                  <a14:hiddenLine xmlns:a14="http://schemas.microsoft.com/office/drawing/2010/main" xmlns="" w="9525">
+                  <a14:hiddenLine xmlns="" xmlns:a14="http://schemas.microsoft.com/office/drawing/2010/main" w="9525">
                     <a:solidFill>
                       <a:srgbClr val="000000"/>
                     </a:solidFill>
@@ -15518,7 +15518,7 @@
               </a:ln>
               <a:extLst>
                 <a:ext uri="{91240B29-F687-4f45-9708-019B960494DF}">
-                  <a14:hiddenLine xmlns:a14="http://schemas.microsoft.com/office/drawing/2010/main" xmlns="" w="9525">
+                  <a14:hiddenLine xmlns="" xmlns:a14="http://schemas.microsoft.com/office/drawing/2010/main" w="9525">
                     <a:solidFill>
                       <a:srgbClr val="000000"/>
                     </a:solidFill>
@@ -15608,7 +15608,7 @@
               </a:ln>
               <a:extLst>
                 <a:ext uri="{91240B29-F687-4f45-9708-019B960494DF}">
-                  <a14:hiddenLine xmlns:a14="http://schemas.microsoft.com/office/drawing/2010/main" xmlns="" w="9525">
+                  <a14:hiddenLine xmlns="" xmlns:a14="http://schemas.microsoft.com/office/drawing/2010/main" w="9525">
                     <a:solidFill>
                       <a:srgbClr val="000000"/>
                     </a:solidFill>
@@ -15642,7 +15642,7 @@
               </a:ln>
               <a:extLst>
                 <a:ext uri="{91240B29-F687-4f45-9708-019B960494DF}">
-                  <a14:hiddenLine xmlns:a14="http://schemas.microsoft.com/office/drawing/2010/main" xmlns="" w="9525">
+                  <a14:hiddenLine xmlns="" xmlns:a14="http://schemas.microsoft.com/office/drawing/2010/main" w="9525">
                     <a:solidFill>
                       <a:srgbClr val="000000"/>
                     </a:solidFill>
@@ -15782,7 +15782,7 @@
           <a:p>
             <a:fld id="{7C0D05BB-860D-4901-9A26-15F14ED56F5B}" type="datetime8">
               <a:rPr lang="en-IL" smtClean="0"/>
-              <a:t>05/12/2021 9:22</a:t>
+              <a:t>06/10/2022 14:52</a:t>
             </a:fld>
             <a:endParaRPr lang="en-IL"/>
           </a:p>
@@ -16282,8 +16282,13 @@
             </a:r>
             <a:r>
               <a:rPr lang="en-US" b="1" dirty="0"/>
-              <a:t> Hanan Ben Shabat 315873257</a:t>
+              <a:t> Hanan Ben </a:t>
             </a:r>
+            <a:r>
+              <a:rPr lang="en-US" b="1" dirty="0" err="1"/>
+              <a:t>ShabaT</a:t>
+            </a:r>
+            <a:endParaRPr lang="en-US" b="1" dirty="0"/>
           </a:p>
           <a:p>
             <a:pPr algn="l"/>
@@ -16354,7 +16359,7 @@
           <a:p>
             <a:r>
               <a:rPr lang="en-US" sz="4400" b="1" u="sng" dirty="0"/>
-              <a:t>Program of Programming languages :</a:t>
+              <a:t>Program of Programming languages:</a:t>
             </a:r>
             <a:endParaRPr lang="en-IL" sz="4400" b="1" u="sng" dirty="0"/>
           </a:p>
